--- a/JavaScript ＆ TweenMax 動態特效速成實戰.pptx
+++ b/JavaScript ＆ TweenMax 動態特效速成實戰.pptx
@@ -6834,8 +6834,8 @@
         </p:nvSpPr>
         <p:spPr>
           <a:xfrm>
-            <a:off x="2772870" y="3777474"/>
-            <a:ext cx="6298303" cy="369332"/>
+            <a:off x="2712712" y="3849664"/>
+            <a:ext cx="7285530" cy="369332"/>
           </a:xfrm>
           <a:prstGeom prst="rect">
             <a:avLst/>
@@ -6851,7 +6851,7 @@
               <a:rPr lang="en-US" altLang="zh-TW" dirty="0">
                 <a:hlinkClick r:id="rId2"/>
               </a:rPr>
-              <a:t>https://github.com/Mike-Course/TweenMax_Course_Example</a:t>
+              <a:t>https://github.com/MikeOnlineCourse/TweenMax_Course_Example</a:t>
             </a:r>
             <a:endParaRPr lang="zh-TW" altLang="en-US" dirty="0">
               <a:solidFill>
